--- a/Figures/Antechinus_figures.pptx
+++ b/Figures/Antechinus_figures.pptx
@@ -19,6 +19,10 @@
     <p:sldId id="262" r:id="rId13"/>
     <p:sldId id="268" r:id="rId14"/>
     <p:sldId id="269" r:id="rId15"/>
+    <p:sldId id="273" r:id="rId16"/>
+    <p:sldId id="272" r:id="rId17"/>
+    <p:sldId id="274" r:id="rId18"/>
+    <p:sldId id="275" r:id="rId19"/>
   </p:sldIdLst>
   <p:sldSz cx="12192000" cy="6858000"/>
   <p:notesSz cx="6858000" cy="9144000"/>
@@ -117,6 +121,11 @@
       </a:defRPr>
     </a:lvl9pPr>
   </p:defaultTextStyle>
+  <p:extLst>
+    <p:ext uri="{EFAFB233-063F-42B5-8137-9DF3F51BA10A}">
+      <p15:sldGuideLst xmlns:p15="http://schemas.microsoft.com/office/powerpoint/2012/main"/>
+    </p:ext>
+  </p:extLst>
 </p:presentation>
 </file>
 
@@ -251,7 +260,7 @@
           <a:p>
             <a:fld id="{D8000FA0-B492-4D1F-BF84-417E3DB33B84}" type="datetimeFigureOut">
               <a:rPr lang="en-AU" smtClean="0"/>
-              <a:t>31/12/2020</a:t>
+              <a:t>1/02/2021</a:t>
             </a:fld>
             <a:endParaRPr lang="en-AU"/>
           </a:p>
@@ -421,7 +430,7 @@
           <a:p>
             <a:fld id="{D8000FA0-B492-4D1F-BF84-417E3DB33B84}" type="datetimeFigureOut">
               <a:rPr lang="en-AU" smtClean="0"/>
-              <a:t>31/12/2020</a:t>
+              <a:t>1/02/2021</a:t>
             </a:fld>
             <a:endParaRPr lang="en-AU"/>
           </a:p>
@@ -601,7 +610,7 @@
           <a:p>
             <a:fld id="{D8000FA0-B492-4D1F-BF84-417E3DB33B84}" type="datetimeFigureOut">
               <a:rPr lang="en-AU" smtClean="0"/>
-              <a:t>31/12/2020</a:t>
+              <a:t>1/02/2021</a:t>
             </a:fld>
             <a:endParaRPr lang="en-AU"/>
           </a:p>
@@ -771,7 +780,7 @@
           <a:p>
             <a:fld id="{D8000FA0-B492-4D1F-BF84-417E3DB33B84}" type="datetimeFigureOut">
               <a:rPr lang="en-AU" smtClean="0"/>
-              <a:t>31/12/2020</a:t>
+              <a:t>1/02/2021</a:t>
             </a:fld>
             <a:endParaRPr lang="en-AU"/>
           </a:p>
@@ -1017,7 +1026,7 @@
           <a:p>
             <a:fld id="{D8000FA0-B492-4D1F-BF84-417E3DB33B84}" type="datetimeFigureOut">
               <a:rPr lang="en-AU" smtClean="0"/>
-              <a:t>31/12/2020</a:t>
+              <a:t>1/02/2021</a:t>
             </a:fld>
             <a:endParaRPr lang="en-AU"/>
           </a:p>
@@ -1249,7 +1258,7 @@
           <a:p>
             <a:fld id="{D8000FA0-B492-4D1F-BF84-417E3DB33B84}" type="datetimeFigureOut">
               <a:rPr lang="en-AU" smtClean="0"/>
-              <a:t>31/12/2020</a:t>
+              <a:t>1/02/2021</a:t>
             </a:fld>
             <a:endParaRPr lang="en-AU"/>
           </a:p>
@@ -1616,7 +1625,7 @@
           <a:p>
             <a:fld id="{D8000FA0-B492-4D1F-BF84-417E3DB33B84}" type="datetimeFigureOut">
               <a:rPr lang="en-AU" smtClean="0"/>
-              <a:t>31/12/2020</a:t>
+              <a:t>1/02/2021</a:t>
             </a:fld>
             <a:endParaRPr lang="en-AU"/>
           </a:p>
@@ -1734,7 +1743,7 @@
           <a:p>
             <a:fld id="{D8000FA0-B492-4D1F-BF84-417E3DB33B84}" type="datetimeFigureOut">
               <a:rPr lang="en-AU" smtClean="0"/>
-              <a:t>31/12/2020</a:t>
+              <a:t>1/02/2021</a:t>
             </a:fld>
             <a:endParaRPr lang="en-AU"/>
           </a:p>
@@ -1829,7 +1838,7 @@
           <a:p>
             <a:fld id="{D8000FA0-B492-4D1F-BF84-417E3DB33B84}" type="datetimeFigureOut">
               <a:rPr lang="en-AU" smtClean="0"/>
-              <a:t>31/12/2020</a:t>
+              <a:t>1/02/2021</a:t>
             </a:fld>
             <a:endParaRPr lang="en-AU"/>
           </a:p>
@@ -2106,7 +2115,7 @@
           <a:p>
             <a:fld id="{D8000FA0-B492-4D1F-BF84-417E3DB33B84}" type="datetimeFigureOut">
               <a:rPr lang="en-AU" smtClean="0"/>
-              <a:t>31/12/2020</a:t>
+              <a:t>1/02/2021</a:t>
             </a:fld>
             <a:endParaRPr lang="en-AU"/>
           </a:p>
@@ -2359,7 +2368,7 @@
           <a:p>
             <a:fld id="{D8000FA0-B492-4D1F-BF84-417E3DB33B84}" type="datetimeFigureOut">
               <a:rPr lang="en-AU" smtClean="0"/>
-              <a:t>31/12/2020</a:t>
+              <a:t>1/02/2021</a:t>
             </a:fld>
             <a:endParaRPr lang="en-AU"/>
           </a:p>
@@ -2572,7 +2581,7 @@
           <a:p>
             <a:fld id="{D8000FA0-B492-4D1F-BF84-417E3DB33B84}" type="datetimeFigureOut">
               <a:rPr lang="en-AU" smtClean="0"/>
-              <a:t>31/12/2020</a:t>
+              <a:t>1/02/2021</a:t>
             </a:fld>
             <a:endParaRPr lang="en-AU"/>
           </a:p>
@@ -3029,11 +3038,7 @@
             </a:r>
             <a:r>
               <a:rPr lang="en-AU" sz="2800" dirty="0" smtClean="0"/>
-              <a:t>, specimens of unknown identity </a:t>
-            </a:r>
-            <a:r>
-              <a:rPr lang="en-AU" sz="2800" dirty="0" smtClean="0"/>
-              <a:t>within the </a:t>
+              <a:t>, specimens of unknown identity within the </a:t>
             </a:r>
             <a:r>
               <a:rPr lang="en-AU" sz="2800" i="1" dirty="0" smtClean="0"/>
@@ -3057,11 +3062,7 @@
             </a:r>
             <a:r>
               <a:rPr lang="en-AU" sz="2800" dirty="0" smtClean="0"/>
-              <a:t> and th</a:t>
-            </a:r>
-            <a:r>
-              <a:rPr lang="en-AU" sz="2800" dirty="0" smtClean="0"/>
-              <a:t>e </a:t>
+              <a:t> and the </a:t>
             </a:r>
             <a:r>
               <a:rPr lang="en-AU" sz="2800" dirty="0" err="1" smtClean="0"/>
@@ -3101,11 +3102,7 @@
             </a:r>
             <a:r>
               <a:rPr lang="en-AU" sz="2800" dirty="0" smtClean="0"/>
-              <a:t> in green. The phylogeny is adapted from Mutton et al. (2019). </a:t>
-            </a:r>
-            <a:r>
-              <a:rPr lang="en-AU" sz="2800" dirty="0" smtClean="0"/>
-              <a:t> </a:t>
+              <a:t> in green. The phylogeny is adapted from Mutton et al. (2019).  </a:t>
             </a:r>
             <a:endParaRPr lang="en-AU" sz="2800" b="1" dirty="0"/>
           </a:p>
@@ -6605,11 +6602,7 @@
                       <a:pPr algn="ctr"/>
                       <a:r>
                         <a:rPr lang="en-AU" sz="1050" dirty="0" smtClean="0"/>
-                        <a:t>Latitude within each </a:t>
-                      </a:r>
-                      <a:r>
-                        <a:rPr lang="en-AU" sz="1050" dirty="0" smtClean="0"/>
-                        <a:t>clade</a:t>
+                        <a:t>Latitude within each clade</a:t>
                       </a:r>
                       <a:endParaRPr lang="en-AU" sz="1050" dirty="0"/>
                     </a:p>
@@ -6636,11 +6629,7 @@
                       </a:r>
                       <a:r>
                         <a:rPr lang="en-AU" sz="1050" baseline="0" dirty="0" smtClean="0"/>
-                        <a:t> </a:t>
-                      </a:r>
-                      <a:r>
-                        <a:rPr lang="en-AU" sz="1050" baseline="0" dirty="0" smtClean="0"/>
-                        <a:t>clade?</a:t>
+                        <a:t> clade?</a:t>
                       </a:r>
                       <a:endParaRPr lang="en-AU" sz="1050" dirty="0"/>
                     </a:p>
@@ -7028,11 +7017,7 @@
                       </a:r>
                       <a:r>
                         <a:rPr lang="en-AU" sz="1050" baseline="0" dirty="0" smtClean="0"/>
-                        <a:t> within each </a:t>
-                      </a:r>
-                      <a:r>
-                        <a:rPr lang="en-AU" sz="1050" baseline="0" dirty="0" smtClean="0"/>
-                        <a:t>clade</a:t>
+                        <a:t> within each clade</a:t>
                       </a:r>
                       <a:endParaRPr lang="en-AU" sz="1050" dirty="0"/>
                     </a:p>
@@ -7059,11 +7044,7 @@
                       </a:r>
                       <a:r>
                         <a:rPr lang="en-AU" sz="1050" baseline="0" dirty="0" smtClean="0"/>
-                        <a:t> </a:t>
-                      </a:r>
-                      <a:r>
-                        <a:rPr lang="en-AU" sz="1050" baseline="0" dirty="0" smtClean="0"/>
-                        <a:t>clade?</a:t>
+                        <a:t> clade?</a:t>
                       </a:r>
                       <a:endParaRPr lang="en-AU" sz="1050" dirty="0"/>
                     </a:p>
@@ -7437,11 +7418,7 @@
                       </a:r>
                       <a:r>
                         <a:rPr lang="en-AU" sz="1050" baseline="0" dirty="0" smtClean="0"/>
-                        <a:t> within each </a:t>
-                      </a:r>
-                      <a:r>
-                        <a:rPr lang="en-AU" sz="1050" baseline="0" dirty="0" smtClean="0"/>
-                        <a:t>clade</a:t>
+                        <a:t> within each clade</a:t>
                       </a:r>
                       <a:endParaRPr lang="en-AU" sz="1050" dirty="0"/>
                     </a:p>
@@ -7468,11 +7445,7 @@
                       </a:r>
                       <a:r>
                         <a:rPr lang="en-AU" sz="1050" baseline="0" dirty="0" smtClean="0"/>
-                        <a:t> </a:t>
-                      </a:r>
-                      <a:r>
-                        <a:rPr lang="en-AU" sz="1050" baseline="0" dirty="0" smtClean="0"/>
-                        <a:t>clade?</a:t>
+                        <a:t> clade?</a:t>
                       </a:r>
                       <a:endParaRPr lang="en-AU" sz="1050" dirty="0"/>
                     </a:p>
@@ -7859,11 +7832,7 @@
                       </a:r>
                       <a:r>
                         <a:rPr lang="en-AU" sz="1050" baseline="0" dirty="0" smtClean="0"/>
-                        <a:t> within each </a:t>
-                      </a:r>
-                      <a:r>
-                        <a:rPr lang="en-AU" sz="1050" baseline="0" dirty="0" smtClean="0"/>
-                        <a:t>clade</a:t>
+                        <a:t> within each clade</a:t>
                       </a:r>
                       <a:endParaRPr lang="en-AU" sz="1050" dirty="0"/>
                     </a:p>
@@ -7890,11 +7859,7 @@
                       </a:r>
                       <a:r>
                         <a:rPr lang="en-AU" sz="1050" baseline="0" dirty="0" smtClean="0"/>
-                        <a:t> </a:t>
-                      </a:r>
-                      <a:r>
-                        <a:rPr lang="en-AU" sz="1050" baseline="0" dirty="0" smtClean="0"/>
-                        <a:t>clade?</a:t>
+                        <a:t> clade?</a:t>
                       </a:r>
                       <a:endParaRPr lang="en-AU" sz="1050" dirty="0"/>
                     </a:p>
@@ -12496,6 +12461,262 @@
       </p:par>
     </p:tnLst>
   </p:timing>
+</p:sld>
+</file>
+
+<file path=ppt/slides/slide15.xml><?xml version="1.0" encoding="utf-8"?>
+<p:sld xmlns:a="http://schemas.openxmlformats.org/drawingml/2006/main" xmlns:r="http://schemas.openxmlformats.org/officeDocument/2006/relationships" xmlns:p="http://schemas.openxmlformats.org/presentationml/2006/main">
+  <p:cSld>
+    <p:spTree>
+      <p:nvGrpSpPr>
+        <p:cNvPr id="1" name=""/>
+        <p:cNvGrpSpPr/>
+        <p:nvPr/>
+      </p:nvGrpSpPr>
+      <p:grpSpPr>
+        <a:xfrm>
+          <a:off x="0" y="0"/>
+          <a:ext cx="0" cy="0"/>
+          <a:chOff x="0" y="0"/>
+          <a:chExt cx="0" cy="0"/>
+        </a:xfrm>
+      </p:grpSpPr>
+      <p:sp>
+        <p:nvSpPr>
+          <p:cNvPr id="3" name="TextBox 2"/>
+          <p:cNvSpPr txBox="1"/>
+          <p:nvPr/>
+        </p:nvSpPr>
+        <p:spPr>
+          <a:xfrm>
+            <a:off x="0" y="2638926"/>
+            <a:ext cx="12007516" cy="954107"/>
+          </a:xfrm>
+          <a:prstGeom prst="rect">
+            <a:avLst/>
+          </a:prstGeom>
+          <a:noFill/>
+        </p:spPr>
+        <p:txBody>
+          <a:bodyPr wrap="square" rtlCol="0">
+            <a:spAutoFit/>
+          </a:bodyPr>
+          <a:lstStyle/>
+          <a:p>
+            <a:r>
+              <a:rPr lang="en-AU" sz="2800" b="1" dirty="0" smtClean="0"/>
+              <a:t>Supplementary Figure 1. </a:t>
+            </a:r>
+            <a:r>
+              <a:rPr lang="en-AU" sz="2800" dirty="0" smtClean="0"/>
+              <a:t>Box </a:t>
+            </a:r>
+            <a:r>
+              <a:rPr lang="en-AU" sz="2800" dirty="0" smtClean="0"/>
+              <a:t>plot and dot plot of centroid </a:t>
+            </a:r>
+            <a:r>
+              <a:rPr lang="en-AU" sz="2800" dirty="0"/>
+              <a:t>s</a:t>
+            </a:r>
+            <a:r>
+              <a:rPr lang="en-AU" sz="2800" dirty="0" smtClean="0"/>
+              <a:t>ize labelling </a:t>
+            </a:r>
+            <a:r>
+              <a:rPr lang="en-AU" sz="2800" dirty="0" smtClean="0"/>
+              <a:t>males and females</a:t>
+            </a:r>
+            <a:r>
+              <a:rPr lang="en-AU" sz="2800" dirty="0" smtClean="0"/>
+              <a:t>. </a:t>
+            </a:r>
+            <a:endParaRPr lang="en-AU" sz="2800" b="1" dirty="0"/>
+          </a:p>
+        </p:txBody>
+      </p:sp>
+    </p:spTree>
+    <p:extLst>
+      <p:ext uri="{BB962C8B-B14F-4D97-AF65-F5344CB8AC3E}">
+        <p14:creationId xmlns:p14="http://schemas.microsoft.com/office/powerpoint/2010/main" val="1076955019"/>
+      </p:ext>
+    </p:extLst>
+  </p:cSld>
+  <p:clrMapOvr>
+    <a:masterClrMapping/>
+  </p:clrMapOvr>
+</p:sld>
+</file>
+
+<file path=ppt/slides/slide16.xml><?xml version="1.0" encoding="utf-8"?>
+<p:sld xmlns:a="http://schemas.openxmlformats.org/drawingml/2006/main" xmlns:r="http://schemas.openxmlformats.org/officeDocument/2006/relationships" xmlns:p="http://schemas.openxmlformats.org/presentationml/2006/main">
+  <p:cSld>
+    <p:spTree>
+      <p:nvGrpSpPr>
+        <p:cNvPr id="1" name=""/>
+        <p:cNvGrpSpPr/>
+        <p:nvPr/>
+      </p:nvGrpSpPr>
+      <p:grpSpPr>
+        <a:xfrm>
+          <a:off x="0" y="0"/>
+          <a:ext cx="0" cy="0"/>
+          <a:chOff x="0" y="0"/>
+          <a:chExt cx="0" cy="0"/>
+        </a:xfrm>
+      </p:grpSpPr>
+      <p:pic>
+        <p:nvPicPr>
+          <p:cNvPr id="2" name="Picture 1"/>
+          <p:cNvPicPr>
+            <a:picLocks noChangeAspect="1"/>
+          </p:cNvPicPr>
+          <p:nvPr/>
+        </p:nvPicPr>
+        <p:blipFill>
+          <a:blip r:embed="rId2"/>
+          <a:stretch>
+            <a:fillRect/>
+          </a:stretch>
+        </p:blipFill>
+        <p:spPr>
+          <a:xfrm>
+            <a:off x="1159016" y="886910"/>
+            <a:ext cx="9497158" cy="5258680"/>
+          </a:xfrm>
+          <a:prstGeom prst="rect">
+            <a:avLst/>
+          </a:prstGeom>
+        </p:spPr>
+      </p:pic>
+    </p:spTree>
+    <p:extLst>
+      <p:ext uri="{BB962C8B-B14F-4D97-AF65-F5344CB8AC3E}">
+        <p14:creationId xmlns:p14="http://schemas.microsoft.com/office/powerpoint/2010/main" val="1866375361"/>
+      </p:ext>
+    </p:extLst>
+  </p:cSld>
+  <p:clrMapOvr>
+    <a:masterClrMapping/>
+  </p:clrMapOvr>
+</p:sld>
+</file>
+
+<file path=ppt/slides/slide17.xml><?xml version="1.0" encoding="utf-8"?>
+<p:sld xmlns:a="http://schemas.openxmlformats.org/drawingml/2006/main" xmlns:r="http://schemas.openxmlformats.org/officeDocument/2006/relationships" xmlns:p="http://schemas.openxmlformats.org/presentationml/2006/main">
+  <p:cSld>
+    <p:spTree>
+      <p:nvGrpSpPr>
+        <p:cNvPr id="1" name=""/>
+        <p:cNvGrpSpPr/>
+        <p:nvPr/>
+      </p:nvGrpSpPr>
+      <p:grpSpPr>
+        <a:xfrm>
+          <a:off x="0" y="0"/>
+          <a:ext cx="0" cy="0"/>
+          <a:chOff x="0" y="0"/>
+          <a:chExt cx="0" cy="0"/>
+        </a:xfrm>
+      </p:grpSpPr>
+      <p:sp>
+        <p:nvSpPr>
+          <p:cNvPr id="2" name="TextBox 1"/>
+          <p:cNvSpPr txBox="1"/>
+          <p:nvPr/>
+        </p:nvSpPr>
+        <p:spPr>
+          <a:xfrm>
+            <a:off x="0" y="2638926"/>
+            <a:ext cx="12007516" cy="523220"/>
+          </a:xfrm>
+          <a:prstGeom prst="rect">
+            <a:avLst/>
+          </a:prstGeom>
+          <a:noFill/>
+        </p:spPr>
+        <p:txBody>
+          <a:bodyPr wrap="square" rtlCol="0">
+            <a:spAutoFit/>
+          </a:bodyPr>
+          <a:lstStyle/>
+          <a:p>
+            <a:r>
+              <a:rPr lang="en-AU" sz="2800" b="1" dirty="0" smtClean="0"/>
+              <a:t>Supplementary Figure 2. </a:t>
+            </a:r>
+            <a:r>
+              <a:rPr lang="en-AU" sz="2800" dirty="0" smtClean="0"/>
+              <a:t>Principal Component Analysis on all specimens.</a:t>
+            </a:r>
+            <a:endParaRPr lang="en-AU" sz="2800" b="1" dirty="0"/>
+          </a:p>
+        </p:txBody>
+      </p:sp>
+    </p:spTree>
+    <p:extLst>
+      <p:ext uri="{BB962C8B-B14F-4D97-AF65-F5344CB8AC3E}">
+        <p14:creationId xmlns:p14="http://schemas.microsoft.com/office/powerpoint/2010/main" val="928526380"/>
+      </p:ext>
+    </p:extLst>
+  </p:cSld>
+  <p:clrMapOvr>
+    <a:masterClrMapping/>
+  </p:clrMapOvr>
+</p:sld>
+</file>
+
+<file path=ppt/slides/slide18.xml><?xml version="1.0" encoding="utf-8"?>
+<p:sld xmlns:a="http://schemas.openxmlformats.org/drawingml/2006/main" xmlns:r="http://schemas.openxmlformats.org/officeDocument/2006/relationships" xmlns:p="http://schemas.openxmlformats.org/presentationml/2006/main">
+  <p:cSld>
+    <p:spTree>
+      <p:nvGrpSpPr>
+        <p:cNvPr id="1" name=""/>
+        <p:cNvGrpSpPr/>
+        <p:nvPr/>
+      </p:nvGrpSpPr>
+      <p:grpSpPr>
+        <a:xfrm>
+          <a:off x="0" y="0"/>
+          <a:ext cx="0" cy="0"/>
+          <a:chOff x="0" y="0"/>
+          <a:chExt cx="0" cy="0"/>
+        </a:xfrm>
+      </p:grpSpPr>
+      <p:pic>
+        <p:nvPicPr>
+          <p:cNvPr id="2" name="Picture 1"/>
+          <p:cNvPicPr>
+            <a:picLocks noChangeAspect="1"/>
+          </p:cNvPicPr>
+          <p:nvPr/>
+        </p:nvPicPr>
+        <p:blipFill>
+          <a:blip r:embed="rId2"/>
+          <a:stretch>
+            <a:fillRect/>
+          </a:stretch>
+        </p:blipFill>
+        <p:spPr>
+          <a:xfrm>
+            <a:off x="1007254" y="684414"/>
+            <a:ext cx="10136089" cy="5612463"/>
+          </a:xfrm>
+          <a:prstGeom prst="rect">
+            <a:avLst/>
+          </a:prstGeom>
+        </p:spPr>
+      </p:pic>
+    </p:spTree>
+    <p:extLst>
+      <p:ext uri="{BB962C8B-B14F-4D97-AF65-F5344CB8AC3E}">
+        <p14:creationId xmlns:p14="http://schemas.microsoft.com/office/powerpoint/2010/main" val="1315195939"/>
+      </p:ext>
+    </p:extLst>
+  </p:cSld>
+  <p:clrMapOvr>
+    <a:masterClrMapping/>
+  </p:clrMapOvr>
 </p:sld>
 </file>
 
@@ -12843,7 +13064,6 @@
                   <a:rPr lang="en-AU" dirty="0"/>
                   <a:t>Pleistocene (2.6 Mya)</a:t>
                 </a:r>
-                <a:endParaRPr lang="en-AU" dirty="0"/>
               </a:p>
             </p:txBody>
           </p:sp>

--- a/Figures/Antechinus_figures.pptx
+++ b/Figures/Antechinus_figures.pptx
@@ -260,7 +260,7 @@
           <a:p>
             <a:fld id="{D8000FA0-B492-4D1F-BF84-417E3DB33B84}" type="datetimeFigureOut">
               <a:rPr lang="en-AU" smtClean="0"/>
-              <a:t>1/02/2021</a:t>
+              <a:t>23/02/2021</a:t>
             </a:fld>
             <a:endParaRPr lang="en-AU"/>
           </a:p>
@@ -430,7 +430,7 @@
           <a:p>
             <a:fld id="{D8000FA0-B492-4D1F-BF84-417E3DB33B84}" type="datetimeFigureOut">
               <a:rPr lang="en-AU" smtClean="0"/>
-              <a:t>1/02/2021</a:t>
+              <a:t>23/02/2021</a:t>
             </a:fld>
             <a:endParaRPr lang="en-AU"/>
           </a:p>
@@ -610,7 +610,7 @@
           <a:p>
             <a:fld id="{D8000FA0-B492-4D1F-BF84-417E3DB33B84}" type="datetimeFigureOut">
               <a:rPr lang="en-AU" smtClean="0"/>
-              <a:t>1/02/2021</a:t>
+              <a:t>23/02/2021</a:t>
             </a:fld>
             <a:endParaRPr lang="en-AU"/>
           </a:p>
@@ -780,7 +780,7 @@
           <a:p>
             <a:fld id="{D8000FA0-B492-4D1F-BF84-417E3DB33B84}" type="datetimeFigureOut">
               <a:rPr lang="en-AU" smtClean="0"/>
-              <a:t>1/02/2021</a:t>
+              <a:t>23/02/2021</a:t>
             </a:fld>
             <a:endParaRPr lang="en-AU"/>
           </a:p>
@@ -1026,7 +1026,7 @@
           <a:p>
             <a:fld id="{D8000FA0-B492-4D1F-BF84-417E3DB33B84}" type="datetimeFigureOut">
               <a:rPr lang="en-AU" smtClean="0"/>
-              <a:t>1/02/2021</a:t>
+              <a:t>23/02/2021</a:t>
             </a:fld>
             <a:endParaRPr lang="en-AU"/>
           </a:p>
@@ -1258,7 +1258,7 @@
           <a:p>
             <a:fld id="{D8000FA0-B492-4D1F-BF84-417E3DB33B84}" type="datetimeFigureOut">
               <a:rPr lang="en-AU" smtClean="0"/>
-              <a:t>1/02/2021</a:t>
+              <a:t>23/02/2021</a:t>
             </a:fld>
             <a:endParaRPr lang="en-AU"/>
           </a:p>
@@ -1625,7 +1625,7 @@
           <a:p>
             <a:fld id="{D8000FA0-B492-4D1F-BF84-417E3DB33B84}" type="datetimeFigureOut">
               <a:rPr lang="en-AU" smtClean="0"/>
-              <a:t>1/02/2021</a:t>
+              <a:t>23/02/2021</a:t>
             </a:fld>
             <a:endParaRPr lang="en-AU"/>
           </a:p>
@@ -1743,7 +1743,7 @@
           <a:p>
             <a:fld id="{D8000FA0-B492-4D1F-BF84-417E3DB33B84}" type="datetimeFigureOut">
               <a:rPr lang="en-AU" smtClean="0"/>
-              <a:t>1/02/2021</a:t>
+              <a:t>23/02/2021</a:t>
             </a:fld>
             <a:endParaRPr lang="en-AU"/>
           </a:p>
@@ -1838,7 +1838,7 @@
           <a:p>
             <a:fld id="{D8000FA0-B492-4D1F-BF84-417E3DB33B84}" type="datetimeFigureOut">
               <a:rPr lang="en-AU" smtClean="0"/>
-              <a:t>1/02/2021</a:t>
+              <a:t>23/02/2021</a:t>
             </a:fld>
             <a:endParaRPr lang="en-AU"/>
           </a:p>
@@ -2115,7 +2115,7 @@
           <a:p>
             <a:fld id="{D8000FA0-B492-4D1F-BF84-417E3DB33B84}" type="datetimeFigureOut">
               <a:rPr lang="en-AU" smtClean="0"/>
-              <a:t>1/02/2021</a:t>
+              <a:t>23/02/2021</a:t>
             </a:fld>
             <a:endParaRPr lang="en-AU"/>
           </a:p>
@@ -2368,7 +2368,7 @@
           <a:p>
             <a:fld id="{D8000FA0-B492-4D1F-BF84-417E3DB33B84}" type="datetimeFigureOut">
               <a:rPr lang="en-AU" smtClean="0"/>
-              <a:t>1/02/2021</a:t>
+              <a:t>23/02/2021</a:t>
             </a:fld>
             <a:endParaRPr lang="en-AU"/>
           </a:p>
@@ -2581,7 +2581,7 @@
           <a:p>
             <a:fld id="{D8000FA0-B492-4D1F-BF84-417E3DB33B84}" type="datetimeFigureOut">
               <a:rPr lang="en-AU" smtClean="0"/>
-              <a:t>1/02/2021</a:t>
+              <a:t>23/02/2021</a:t>
             </a:fld>
             <a:endParaRPr lang="en-AU"/>
           </a:p>
@@ -3154,7 +3154,7 @@
           <p:nvPr>
             <p:extLst>
               <p:ext uri="{D42A27DB-BD31-4B8C-83A1-F6EECF244321}">
-                <p14:modId xmlns:p14="http://schemas.microsoft.com/office/powerpoint/2010/main" val="883484920"/>
+                <p14:modId xmlns:p14="http://schemas.microsoft.com/office/powerpoint/2010/main" val="69926715"/>
               </p:ext>
             </p:extLst>
           </p:nvPr>
@@ -4440,7 +4440,7 @@
                         <a:rPr lang="en-US" sz="1000" dirty="0" smtClean="0">
                           <a:effectLst/>
                         </a:rPr>
-                        <a:t>11.080</a:t>
+                        <a:t>11.082</a:t>
                       </a:r>
                       <a:endParaRPr lang="en-AU" sz="1200" dirty="0">
                         <a:effectLst/>
@@ -4686,7 +4686,7 @@
                         <a:rPr lang="en-US" sz="1000" dirty="0" smtClean="0">
                           <a:effectLst/>
                         </a:rPr>
-                        <a:t>22.364</a:t>
+                        <a:t>20.477</a:t>
                       </a:r>
                       <a:endParaRPr lang="en-AU" sz="1200" dirty="0">
                         <a:effectLst/>
@@ -8153,7 +8153,7 @@
           <p:nvPr>
             <p:extLst>
               <p:ext uri="{D42A27DB-BD31-4B8C-83A1-F6EECF244321}">
-                <p14:modId xmlns:p14="http://schemas.microsoft.com/office/powerpoint/2010/main" val="1061673381"/>
+                <p14:modId xmlns:p14="http://schemas.microsoft.com/office/powerpoint/2010/main" val="2994876180"/>
               </p:ext>
             </p:extLst>
           </p:nvPr>
@@ -9375,7 +9375,7 @@
                           <a:ea typeface="Calibri" panose="020F0502020204030204" pitchFamily="34" charset="0"/>
                           <a:cs typeface="Times New Roman" panose="02020603050405020304" pitchFamily="18" charset="0"/>
                         </a:rPr>
-                        <a:t>345.1</a:t>
+                        <a:t>731</a:t>
                       </a:r>
                       <a:endParaRPr lang="en-AU" sz="1100" dirty="0">
                         <a:effectLst/>
@@ -9438,7 +9438,7 @@
                           <a:ea typeface="Calibri" panose="020F0502020204030204" pitchFamily="34" charset="0"/>
                           <a:cs typeface="Times New Roman" panose="02020603050405020304" pitchFamily="18" charset="0"/>
                         </a:rPr>
-                        <a:t>0.023</a:t>
+                        <a:t>0.032</a:t>
                       </a:r>
                       <a:endParaRPr lang="en-AU" sz="1100" dirty="0">
                         <a:effectLst/>
@@ -9495,7 +9495,7 @@
                           <a:ea typeface="Calibri" panose="020F0502020204030204" pitchFamily="34" charset="0"/>
                           <a:cs typeface="Arial" panose="020B0604020202020204" pitchFamily="34" charset="0"/>
                         </a:rPr>
-                        <a:t>3.132</a:t>
+                        <a:t>6.596</a:t>
                       </a:r>
                       <a:endParaRPr lang="en-AU" sz="1100" dirty="0">
                         <a:effectLst/>
@@ -9552,7 +9552,7 @@
                           <a:ea typeface="Calibri" panose="020F0502020204030204" pitchFamily="34" charset="0"/>
                           <a:cs typeface="Times New Roman" panose="02020603050405020304" pitchFamily="18" charset="0"/>
                         </a:rPr>
-                        <a:t>0.079</a:t>
+                        <a:t>0.011</a:t>
                       </a:r>
                       <a:endParaRPr lang="en-AU" sz="1100" dirty="0">
                         <a:effectLst/>
@@ -9615,7 +9615,7 @@
                           <a:ea typeface="Calibri" panose="020F0502020204030204" pitchFamily="34" charset="0"/>
                           <a:cs typeface="Times New Roman" panose="02020603050405020304" pitchFamily="18" charset="0"/>
                         </a:rPr>
-                        <a:t>0.001</a:t>
+                        <a:t>0.002</a:t>
                       </a:r>
                       <a:endParaRPr lang="en-AU" sz="1100" dirty="0">
                         <a:effectLst/>
@@ -9678,7 +9678,7 @@
                           <a:ea typeface="Calibri" panose="020F0502020204030204" pitchFamily="34" charset="0"/>
                           <a:cs typeface="Times New Roman" panose="02020603050405020304" pitchFamily="18" charset="0"/>
                         </a:rPr>
-                        <a:t>0.011</a:t>
+                        <a:t>0.013</a:t>
                       </a:r>
                       <a:endParaRPr lang="en-AU" sz="1100" dirty="0">
                         <a:effectLst/>
@@ -9735,7 +9735,7 @@
                           <a:ea typeface="Calibri" panose="020F0502020204030204" pitchFamily="34" charset="0"/>
                           <a:cs typeface="Times New Roman" panose="02020603050405020304" pitchFamily="18" charset="0"/>
                         </a:rPr>
-                        <a:t>1.45</a:t>
+                        <a:t>2.135</a:t>
                       </a:r>
                       <a:endParaRPr lang="en-AU" sz="1100" dirty="0">
                         <a:effectLst/>
@@ -9792,7 +9792,7 @@
                           <a:ea typeface="Calibri" panose="020F0502020204030204" pitchFamily="34" charset="0"/>
                           <a:cs typeface="Times New Roman" panose="02020603050405020304" pitchFamily="18" charset="0"/>
                         </a:rPr>
-                        <a:t>0.11</a:t>
+                        <a:t>0.012</a:t>
                       </a:r>
                       <a:endParaRPr lang="en-AU" sz="1100" dirty="0">
                         <a:effectLst/>
@@ -10009,7 +10009,7 @@
                           <a:ea typeface="Calibri" panose="020F0502020204030204" pitchFamily="34" charset="0"/>
                           <a:cs typeface="Arial" panose="020B0604020202020204" pitchFamily="34" charset="0"/>
                         </a:rPr>
-                        <a:t>2968.6</a:t>
+                        <a:t>3193.6</a:t>
                       </a:r>
                       <a:endParaRPr lang="en-AU" sz="1100" dirty="0">
                         <a:effectLst/>
@@ -10072,7 +10072,7 @@
                           <a:ea typeface="Calibri" panose="020F0502020204030204" pitchFamily="34" charset="0"/>
                           <a:cs typeface="Arial" panose="020B0604020202020204" pitchFamily="34" charset="0"/>
                         </a:rPr>
-                        <a:t>0.196</a:t>
+                        <a:t>0.162</a:t>
                       </a:r>
                       <a:endParaRPr lang="en-AU" sz="1100" dirty="0">
                         <a:effectLst/>
@@ -10129,7 +10129,7 @@
                           <a:ea typeface="Calibri" panose="020F0502020204030204" pitchFamily="34" charset="0"/>
                           <a:cs typeface="Arial" panose="020B0604020202020204" pitchFamily="34" charset="0"/>
                         </a:rPr>
-                        <a:t>32.76</a:t>
+                        <a:t>33.27</a:t>
                       </a:r>
                       <a:endParaRPr lang="en-AU" sz="1100" dirty="0">
                         <a:effectLst/>
@@ -10312,7 +10312,7 @@
                           <a:ea typeface="Calibri" panose="020F0502020204030204" pitchFamily="34" charset="0"/>
                           <a:cs typeface="Arial" panose="020B0604020202020204" pitchFamily="34" charset="0"/>
                         </a:rPr>
-                        <a:t>0.101</a:t>
+                        <a:t>0.08</a:t>
                       </a:r>
                       <a:endParaRPr lang="en-AU" sz="1100" dirty="0">
                         <a:effectLst/>
@@ -10369,7 +10369,7 @@
                           <a:ea typeface="Calibri" panose="020F0502020204030204" pitchFamily="34" charset="0"/>
                           <a:cs typeface="Arial" panose="020B0604020202020204" pitchFamily="34" charset="0"/>
                         </a:rPr>
-                        <a:t>15.044</a:t>
+                        <a:t>14.521</a:t>
                       </a:r>
                       <a:endParaRPr lang="en-AU" sz="1100" dirty="0">
                         <a:effectLst/>
@@ -10640,7 +10640,7 @@
                           <a:ea typeface="Calibri" panose="020F0502020204030204" pitchFamily="34" charset="0"/>
                           <a:cs typeface="Times New Roman" panose="02020603050405020304" pitchFamily="18" charset="0"/>
                         </a:rPr>
-                        <a:t>4117.7</a:t>
+                        <a:t>4550.7</a:t>
                       </a:r>
                       <a:endParaRPr lang="en-AU" sz="1100" dirty="0">
                         <a:effectLst/>
@@ -10706,7 +10706,7 @@
                           <a:ea typeface="Calibri" panose="020F0502020204030204" pitchFamily="34" charset="0"/>
                           <a:cs typeface="Times New Roman" panose="02020603050405020304" pitchFamily="18" charset="0"/>
                         </a:rPr>
-                        <a:t>0.273</a:t>
+                        <a:t>0.233</a:t>
                       </a:r>
                       <a:endParaRPr lang="en-AU" sz="1100" dirty="0">
                         <a:effectLst/>
@@ -10766,7 +10766,7 @@
                           <a:ea typeface="Calibri" panose="020F0502020204030204" pitchFamily="34" charset="0"/>
                           <a:cs typeface="Arial" panose="020B0604020202020204" pitchFamily="34" charset="0"/>
                         </a:rPr>
-                        <a:t>50.19</a:t>
+                        <a:t>51.83</a:t>
                       </a:r>
                       <a:endParaRPr lang="en-AU" sz="1100" dirty="0">
                         <a:effectLst/>
@@ -10958,7 +10958,7 @@
                           <a:ea typeface="Calibri" panose="020F0502020204030204" pitchFamily="34" charset="0"/>
                           <a:cs typeface="Times New Roman" panose="02020603050405020304" pitchFamily="18" charset="0"/>
                         </a:rPr>
-                        <a:t>0.098</a:t>
+                        <a:t>0.075</a:t>
                       </a:r>
                       <a:endParaRPr lang="en-AU" sz="1100" dirty="0">
                         <a:effectLst/>
@@ -11018,7 +11018,7 @@
                           <a:ea typeface="Calibri" panose="020F0502020204030204" pitchFamily="34" charset="0"/>
                           <a:cs typeface="Times New Roman" panose="02020603050405020304" pitchFamily="18" charset="0"/>
                         </a:rPr>
-                        <a:t>14.476</a:t>
+                        <a:t>13.5</a:t>
                       </a:r>
                       <a:endParaRPr lang="en-AU" sz="1100" dirty="0">
                         <a:effectLst/>
@@ -11295,7 +11295,7 @@
                           <a:ea typeface="Calibri" panose="020F0502020204030204" pitchFamily="34" charset="0"/>
                           <a:cs typeface="Arial" panose="020B0604020202020204" pitchFamily="34" charset="0"/>
                         </a:rPr>
-                        <a:t>1325.4</a:t>
+                        <a:t>1906.7</a:t>
                       </a:r>
                       <a:endParaRPr lang="en-AU" sz="1100" dirty="0">
                         <a:effectLst/>
@@ -11361,7 +11361,7 @@
                           <a:ea typeface="Calibri" panose="020F0502020204030204" pitchFamily="34" charset="0"/>
                           <a:cs typeface="Arial" panose="020B0604020202020204" pitchFamily="34" charset="0"/>
                         </a:rPr>
-                        <a:t>0.088</a:t>
+                        <a:t>0.094</a:t>
                       </a:r>
                       <a:endParaRPr lang="en-AU" sz="1100" dirty="0">
                         <a:effectLst/>
@@ -11421,7 +11421,7 @@
                           <a:ea typeface="Calibri" panose="020F0502020204030204" pitchFamily="34" charset="0"/>
                           <a:cs typeface="Arial" panose="020B0604020202020204" pitchFamily="34" charset="0"/>
                         </a:rPr>
-                        <a:t>12.88</a:t>
+                        <a:t>18.38</a:t>
                       </a:r>
                       <a:endParaRPr lang="en-AU" sz="1100" dirty="0">
                         <a:effectLst/>
@@ -11613,7 +11613,7 @@
                           <a:ea typeface="Calibri" panose="020F0502020204030204" pitchFamily="34" charset="0"/>
                           <a:cs typeface="Arial" panose="020B0604020202020204" pitchFamily="34" charset="0"/>
                         </a:rPr>
-                        <a:t>0.015</a:t>
+                        <a:t>0.016</a:t>
                       </a:r>
                       <a:endParaRPr lang="en-AU" sz="1100" dirty="0">
                         <a:effectLst/>
@@ -11673,7 +11673,7 @@
                           <a:ea typeface="Calibri" panose="020F0502020204030204" pitchFamily="34" charset="0"/>
                           <a:cs typeface="Arial" panose="020B0604020202020204" pitchFamily="34" charset="0"/>
                         </a:rPr>
-                        <a:t>2.068</a:t>
+                        <a:t>2.69</a:t>
                       </a:r>
                       <a:endParaRPr lang="en-AU" sz="1100" dirty="0">
                         <a:effectLst/>
@@ -11733,7 +11733,7 @@
                           <a:ea typeface="Calibri" panose="020F0502020204030204" pitchFamily="34" charset="0"/>
                           <a:cs typeface="Arial" panose="020B0604020202020204" pitchFamily="34" charset="0"/>
                         </a:rPr>
-                        <a:t>0.017</a:t>
+                        <a:t>0.004</a:t>
                       </a:r>
                       <a:endParaRPr lang="en-AU" sz="1100" dirty="0">
                         <a:effectLst/>
@@ -11950,7 +11950,7 @@
                           <a:ea typeface="Calibri" panose="020F0502020204030204" pitchFamily="34" charset="0"/>
                           <a:cs typeface="Times New Roman" panose="02020603050405020304" pitchFamily="18" charset="0"/>
                         </a:rPr>
-                        <a:t>60.87</a:t>
+                        <a:t>390.2</a:t>
                       </a:r>
                       <a:endParaRPr lang="en-AU" sz="1100" dirty="0">
                         <a:effectLst/>
@@ -12016,7 +12016,7 @@
                           <a:ea typeface="Calibri" panose="020F0502020204030204" pitchFamily="34" charset="0"/>
                           <a:cs typeface="Times New Roman" panose="02020603050405020304" pitchFamily="18" charset="0"/>
                         </a:rPr>
-                        <a:t>0.022</a:t>
+                        <a:t>0.015</a:t>
                       </a:r>
                       <a:endParaRPr lang="en-AU" sz="1100" dirty="0">
                         <a:effectLst/>
@@ -12076,7 +12076,7 @@
                           <a:ea typeface="Calibri" panose="020F0502020204030204" pitchFamily="34" charset="0"/>
                           <a:cs typeface="Arial" panose="020B0604020202020204" pitchFamily="34" charset="0"/>
                         </a:rPr>
-                        <a:t>2.888</a:t>
+                        <a:t>3.457</a:t>
                       </a:r>
                       <a:endParaRPr lang="en-AU" sz="1100" dirty="0">
                         <a:effectLst/>
@@ -12136,7 +12136,7 @@
                           <a:ea typeface="Calibri" panose="020F0502020204030204" pitchFamily="34" charset="0"/>
                           <a:cs typeface="Times New Roman" panose="02020603050405020304" pitchFamily="18" charset="0"/>
                         </a:rPr>
-                        <a:t>0.092</a:t>
+                        <a:t>0.065</a:t>
                       </a:r>
                       <a:endParaRPr lang="en-AU" sz="1100" dirty="0">
                         <a:effectLst/>
@@ -12202,7 +12202,7 @@
                           <a:ea typeface="Calibri" panose="020F0502020204030204" pitchFamily="34" charset="0"/>
                           <a:cs typeface="Times New Roman" panose="02020603050405020304" pitchFamily="18" charset="0"/>
                         </a:rPr>
-                        <a:t>0.002</a:t>
+                        <a:t>0.001</a:t>
                       </a:r>
                       <a:endParaRPr lang="en-AU" sz="1100" dirty="0">
                         <a:effectLst/>
@@ -12268,7 +12268,7 @@
                           <a:ea typeface="Calibri" panose="020F0502020204030204" pitchFamily="34" charset="0"/>
                           <a:cs typeface="Times New Roman" panose="02020603050405020304" pitchFamily="18" charset="0"/>
                         </a:rPr>
-                        <a:t>0.011</a:t>
+                        <a:t>0.006</a:t>
                       </a:r>
                       <a:endParaRPr lang="en-AU" sz="1100" dirty="0">
                         <a:effectLst/>
@@ -12328,7 +12328,7 @@
                           <a:ea typeface="Calibri" panose="020F0502020204030204" pitchFamily="34" charset="0"/>
                           <a:cs typeface="Times New Roman" panose="02020603050405020304" pitchFamily="18" charset="0"/>
                         </a:rPr>
-                        <a:t>1.413</a:t>
+                        <a:t>1.048</a:t>
                       </a:r>
                       <a:endParaRPr lang="en-AU" sz="1100" dirty="0">
                         <a:effectLst/>
@@ -12388,7 +12388,7 @@
                           <a:ea typeface="Calibri" panose="020F0502020204030204" pitchFamily="34" charset="0"/>
                           <a:cs typeface="Times New Roman" panose="02020603050405020304" pitchFamily="18" charset="0"/>
                         </a:rPr>
-                        <a:t>0.1</a:t>
+                        <a:t>0.382</a:t>
                       </a:r>
                       <a:endParaRPr lang="en-AU" sz="1100" dirty="0">
                         <a:effectLst/>
@@ -12509,11 +12509,7 @@
             </a:r>
             <a:r>
               <a:rPr lang="en-AU" sz="2800" dirty="0" smtClean="0"/>
-              <a:t>Box </a:t>
-            </a:r>
-            <a:r>
-              <a:rPr lang="en-AU" sz="2800" dirty="0" smtClean="0"/>
-              <a:t>plot and dot plot of centroid </a:t>
+              <a:t>Box plot and dot plot of centroid </a:t>
             </a:r>
             <a:r>
               <a:rPr lang="en-AU" sz="2800" dirty="0"/>
@@ -12521,15 +12517,7 @@
             </a:r>
             <a:r>
               <a:rPr lang="en-AU" sz="2800" dirty="0" smtClean="0"/>
-              <a:t>ize labelling </a:t>
-            </a:r>
-            <a:r>
-              <a:rPr lang="en-AU" sz="2800" dirty="0" smtClean="0"/>
-              <a:t>males and females</a:t>
-            </a:r>
-            <a:r>
-              <a:rPr lang="en-AU" sz="2800" dirty="0" smtClean="0"/>
-              <a:t>. </a:t>
+              <a:t>ize labelling males and females. </a:t>
             </a:r>
             <a:endParaRPr lang="en-AU" sz="2800" b="1" dirty="0"/>
           </a:p>
@@ -13010,7 +12998,7 @@
               </p:nvCxnSpPr>
               <p:spPr>
                 <a:xfrm>
-                  <a:off x="9693076" y="2947353"/>
+                  <a:off x="9693076" y="2938886"/>
                   <a:ext cx="671134" cy="0"/>
                 </a:xfrm>
                 <a:prstGeom prst="line">
